--- a/doc/移动端跨平台框架调研.pptx
+++ b/doc/移动端跨平台框架调研.pptx
@@ -1421,9 +1421,7 @@
             <p:ph type="sldImg"/>
           </p:nvPr>
         </p:nvSpPr>
-        <p:spPr>
-          <a:ln/>
-        </p:spPr>
+        <p:spPr/>
       </p:sp>
       <p:sp>
         <p:nvSpPr>
@@ -1435,9 +1433,7 @@
             <p:ph type="body" idx="1"/>
           </p:nvPr>
         </p:nvSpPr>
-        <p:spPr>
-          <a:ln/>
-        </p:spPr>
+        <p:spPr/>
         <p:txBody>
           <a:bodyPr wrap="square" lIns="91440" tIns="45720" rIns="91440" bIns="45720" anchor="t"/>
           <a:p>
@@ -1512,9 +1508,7 @@
             <p:ph type="sldImg"/>
           </p:nvPr>
         </p:nvSpPr>
-        <p:spPr>
-          <a:ln/>
-        </p:spPr>
+        <p:spPr/>
       </p:sp>
       <p:sp>
         <p:nvSpPr>
@@ -1526,9 +1520,7 @@
             <p:ph type="body" idx="1"/>
           </p:nvPr>
         </p:nvSpPr>
-        <p:spPr>
-          <a:ln/>
-        </p:spPr>
+        <p:spPr/>
         <p:txBody>
           <a:bodyPr wrap="square" lIns="91440" tIns="45720" rIns="91440" bIns="45720" anchor="t"/>
           <a:p>
@@ -1951,9 +1943,7 @@
             <p:ph type="sldImg"/>
           </p:nvPr>
         </p:nvSpPr>
-        <p:spPr>
-          <a:ln/>
-        </p:spPr>
+        <p:spPr/>
       </p:sp>
       <p:sp>
         <p:nvSpPr>
@@ -1965,9 +1955,7 @@
             <p:ph type="body" idx="1"/>
           </p:nvPr>
         </p:nvSpPr>
-        <p:spPr>
-          <a:ln/>
-        </p:spPr>
+        <p:spPr/>
         <p:txBody>
           <a:bodyPr wrap="square" lIns="91440" tIns="45720" rIns="91440" bIns="45720" anchor="t"/>
           <a:p>
@@ -12683,7 +12671,6 @@
             <a:off x="596900" y="609600"/>
             <a:ext cx="2794000" cy="2735263"/>
           </a:xfrm>
-          <a:ln/>
         </p:spPr>
         <p:txBody>
           <a:bodyPr vert="horz" wrap="square" lIns="91440" tIns="45720" rIns="91440" bIns="45720" anchor="ctr"/>
@@ -13202,7 +13189,6 @@
             <a:off x="1209675" y="333375"/>
             <a:ext cx="6838950" cy="641350"/>
           </a:xfrm>
-          <a:ln/>
         </p:spPr>
         <p:txBody>
           <a:bodyPr vert="horz" wrap="square" lIns="91440" tIns="45720" rIns="91440" bIns="45720" anchor="t"/>
@@ -13708,13 +13694,25 @@
             </a:pPr>
             <a:r>
               <a:rPr lang="en-US" altLang="zh-CN"/>
-              <a:t>VUE</a:t>
+              <a:t>Vue</a:t>
             </a:r>
             <a:r>
               <a:rPr lang="zh-CN" altLang="en-US"/>
               <a:t>框架</a:t>
             </a:r>
-            <a:endParaRPr lang="zh-CN" altLang="en-US"/>
+            <a:r>
+              <a:rPr lang="en-US" altLang="zh-CN"/>
+              <a:t>, </a:t>
+            </a:r>
+            <a:r>
+              <a:rPr lang="zh-CN" altLang="en-US"/>
+              <a:t>小程序</a:t>
+            </a:r>
+            <a:r>
+              <a:rPr lang="en-US" altLang="zh-CN"/>
+              <a:t>api</a:t>
+            </a:r>
+            <a:endParaRPr lang="en-US" altLang="zh-CN"/>
           </a:p>
         </p:txBody>
       </p:sp>
